--- a/Sprint 3/userDocs/presentation.pptx
+++ b/Sprint 3/userDocs/presentation.pptx
@@ -5,11 +5,12 @@
     <p:sldMasterId id="2147483648" r:id="rId1"/>
   </p:sldMasterIdLst>
   <p:sldIdLst>
-    <p:sldId id="295" r:id="rId2"/>
-    <p:sldId id="293" r:id="rId3"/>
-    <p:sldId id="294" r:id="rId4"/>
-    <p:sldId id="296" r:id="rId5"/>
-    <p:sldId id="297" r:id="rId6"/>
+    <p:sldId id="298" r:id="rId2"/>
+    <p:sldId id="295" r:id="rId3"/>
+    <p:sldId id="293" r:id="rId4"/>
+    <p:sldId id="294" r:id="rId5"/>
+    <p:sldId id="296" r:id="rId6"/>
+    <p:sldId id="297" r:id="rId7"/>
   </p:sldIdLst>
   <p:sldSz cx="12192000" cy="6858000"/>
   <p:notesSz cx="6858000" cy="9144000"/>
@@ -245,7 +246,7 @@
           <a:p>
             <a:fld id="{B54D5996-1787-4713-9AAF-D983FFC67929}" type="datetimeFigureOut">
               <a:rPr lang="it-IT" smtClean="0"/>
-              <a:t>05/08/2021</a:t>
+              <a:t>06/08/2021</a:t>
             </a:fld>
             <a:endParaRPr lang="it-IT"/>
           </a:p>
@@ -413,7 +414,7 @@
           <a:p>
             <a:fld id="{B54D5996-1787-4713-9AAF-D983FFC67929}" type="datetimeFigureOut">
               <a:rPr lang="it-IT" smtClean="0"/>
-              <a:t>05/08/2021</a:t>
+              <a:t>06/08/2021</a:t>
             </a:fld>
             <a:endParaRPr lang="it-IT"/>
           </a:p>
@@ -591,7 +592,7 @@
           <a:p>
             <a:fld id="{B54D5996-1787-4713-9AAF-D983FFC67929}" type="datetimeFigureOut">
               <a:rPr lang="it-IT" smtClean="0"/>
-              <a:t>05/08/2021</a:t>
+              <a:t>06/08/2021</a:t>
             </a:fld>
             <a:endParaRPr lang="it-IT"/>
           </a:p>
@@ -759,7 +760,7 @@
           <a:p>
             <a:fld id="{B54D5996-1787-4713-9AAF-D983FFC67929}" type="datetimeFigureOut">
               <a:rPr lang="it-IT" smtClean="0"/>
-              <a:t>05/08/2021</a:t>
+              <a:t>06/08/2021</a:t>
             </a:fld>
             <a:endParaRPr lang="it-IT"/>
           </a:p>
@@ -1004,7 +1005,7 @@
           <a:p>
             <a:fld id="{B54D5996-1787-4713-9AAF-D983FFC67929}" type="datetimeFigureOut">
               <a:rPr lang="it-IT" smtClean="0"/>
-              <a:t>05/08/2021</a:t>
+              <a:t>06/08/2021</a:t>
             </a:fld>
             <a:endParaRPr lang="it-IT"/>
           </a:p>
@@ -1233,7 +1234,7 @@
           <a:p>
             <a:fld id="{B54D5996-1787-4713-9AAF-D983FFC67929}" type="datetimeFigureOut">
               <a:rPr lang="it-IT" smtClean="0"/>
-              <a:t>05/08/2021</a:t>
+              <a:t>06/08/2021</a:t>
             </a:fld>
             <a:endParaRPr lang="it-IT"/>
           </a:p>
@@ -1597,7 +1598,7 @@
           <a:p>
             <a:fld id="{B54D5996-1787-4713-9AAF-D983FFC67929}" type="datetimeFigureOut">
               <a:rPr lang="it-IT" smtClean="0"/>
-              <a:t>05/08/2021</a:t>
+              <a:t>06/08/2021</a:t>
             </a:fld>
             <a:endParaRPr lang="it-IT"/>
           </a:p>
@@ -1714,7 +1715,7 @@
           <a:p>
             <a:fld id="{B54D5996-1787-4713-9AAF-D983FFC67929}" type="datetimeFigureOut">
               <a:rPr lang="it-IT" smtClean="0"/>
-              <a:t>05/08/2021</a:t>
+              <a:t>06/08/2021</a:t>
             </a:fld>
             <a:endParaRPr lang="it-IT"/>
           </a:p>
@@ -1809,7 +1810,7 @@
           <a:p>
             <a:fld id="{B54D5996-1787-4713-9AAF-D983FFC67929}" type="datetimeFigureOut">
               <a:rPr lang="it-IT" smtClean="0"/>
-              <a:t>05/08/2021</a:t>
+              <a:t>06/08/2021</a:t>
             </a:fld>
             <a:endParaRPr lang="it-IT"/>
           </a:p>
@@ -2084,7 +2085,7 @@
           <a:p>
             <a:fld id="{B54D5996-1787-4713-9AAF-D983FFC67929}" type="datetimeFigureOut">
               <a:rPr lang="it-IT" smtClean="0"/>
-              <a:t>05/08/2021</a:t>
+              <a:t>06/08/2021</a:t>
             </a:fld>
             <a:endParaRPr lang="it-IT"/>
           </a:p>
@@ -2336,7 +2337,7 @@
           <a:p>
             <a:fld id="{B54D5996-1787-4713-9AAF-D983FFC67929}" type="datetimeFigureOut">
               <a:rPr lang="it-IT" smtClean="0"/>
-              <a:t>05/08/2021</a:t>
+              <a:t>06/08/2021</a:t>
             </a:fld>
             <a:endParaRPr lang="it-IT"/>
           </a:p>
@@ -2547,7 +2548,7 @@
           <a:p>
             <a:fld id="{B54D5996-1787-4713-9AAF-D983FFC67929}" type="datetimeFigureOut">
               <a:rPr lang="it-IT" smtClean="0"/>
-              <a:t>05/08/2021</a:t>
+              <a:t>06/08/2021</a:t>
             </a:fld>
             <a:endParaRPr lang="it-IT"/>
           </a:p>
@@ -2954,14 +2955,14 @@
       </p:grpSpPr>
       <p:sp>
         <p:nvSpPr>
-          <p:cNvPr id="2" name="Rettangolo arrotondato 1"/>
+          <p:cNvPr id="4" name="Rettangolo arrotondato 3"/>
           <p:cNvSpPr/>
           <p:nvPr/>
         </p:nvSpPr>
         <p:spPr>
           <a:xfrm>
-            <a:off x="158151" y="155274"/>
-            <a:ext cx="11875698" cy="646983"/>
+            <a:off x="258780" y="258780"/>
+            <a:ext cx="652732" cy="646983"/>
           </a:xfrm>
           <a:prstGeom prst="roundRect">
             <a:avLst/>
@@ -2999,15 +3000,6 @@
           <a:lstStyle/>
           <a:p>
             <a:pPr algn="ctr"/>
-            <a:r>
-              <a:rPr lang="it-IT" sz="3200" b="1" dirty="0" smtClean="0">
-                <a:solidFill>
-                  <a:schemeClr val="tx1"/>
-                </a:solidFill>
-                <a:latin typeface="Century Schoolbook" panose="02040604050505020304" pitchFamily="18" charset="0"/>
-              </a:rPr>
-              <a:t>The Mock-Objects</a:t>
-            </a:r>
             <a:endParaRPr lang="it-IT" sz="3200" b="1" dirty="0">
               <a:solidFill>
                 <a:schemeClr val="tx1"/>
@@ -3017,166 +3009,249 @@
           </a:p>
         </p:txBody>
       </p:sp>
-      <p:pic>
-        <p:nvPicPr>
-          <p:cNvPr id="4" name="Immagine 3"/>
-          <p:cNvPicPr>
-            <a:picLocks noChangeAspect="1"/>
-          </p:cNvPicPr>
+      <p:sp>
+        <p:nvSpPr>
+          <p:cNvPr id="5" name="Rettangolo arrotondato 4"/>
+          <p:cNvSpPr/>
           <p:nvPr/>
-        </p:nvPicPr>
-        <p:blipFill>
-          <a:blip r:embed="rId2">
-            <a:extLst>
-              <a:ext uri="{28A0092B-C50C-407E-A947-70E740481C1C}">
-                <a14:useLocalDpi xmlns:a14="http://schemas.microsoft.com/office/drawing/2010/main" val="0"/>
-              </a:ext>
-            </a:extLst>
-          </a:blip>
-          <a:stretch>
-            <a:fillRect/>
-          </a:stretch>
-        </p:blipFill>
-        <p:spPr>
-          <a:xfrm>
-            <a:off x="586592" y="3556963"/>
-            <a:ext cx="5166808" cy="3208298"/>
+        </p:nvSpPr>
+        <p:spPr>
+          <a:xfrm>
+            <a:off x="11280488" y="258780"/>
+            <a:ext cx="652732" cy="646983"/>
+          </a:xfrm>
+          <a:prstGeom prst="roundRect">
+            <a:avLst/>
+          </a:prstGeom>
+          <a:solidFill>
+            <a:schemeClr val="accent6">
+              <a:lumMod val="40000"/>
+              <a:lumOff val="60000"/>
+            </a:schemeClr>
+          </a:solidFill>
+          <a:ln>
+            <a:solidFill>
+              <a:schemeClr val="tx1"/>
+            </a:solidFill>
+          </a:ln>
+        </p:spPr>
+        <p:style>
+          <a:lnRef idx="2">
+            <a:schemeClr val="accent1">
+              <a:shade val="50000"/>
+            </a:schemeClr>
+          </a:lnRef>
+          <a:fillRef idx="1">
+            <a:schemeClr val="accent1"/>
+          </a:fillRef>
+          <a:effectRef idx="0">
+            <a:schemeClr val="accent1"/>
+          </a:effectRef>
+          <a:fontRef idx="minor">
+            <a:schemeClr val="lt1"/>
+          </a:fontRef>
+        </p:style>
+        <p:txBody>
+          <a:bodyPr rtlCol="0" anchor="ctr"/>
+          <a:lstStyle/>
+          <a:p>
+            <a:pPr algn="ctr"/>
+            <a:endParaRPr lang="it-IT" sz="3200" b="1" dirty="0">
+              <a:solidFill>
+                <a:schemeClr val="tx1"/>
+              </a:solidFill>
+              <a:latin typeface="Century Schoolbook" panose="02040604050505020304" pitchFamily="18" charset="0"/>
+            </a:endParaRPr>
+          </a:p>
+        </p:txBody>
+      </p:sp>
+      <p:sp>
+        <p:nvSpPr>
+          <p:cNvPr id="6" name="Rettangolo arrotondato 5"/>
+          <p:cNvSpPr/>
+          <p:nvPr/>
+        </p:nvSpPr>
+        <p:spPr>
+          <a:xfrm>
+            <a:off x="258780" y="5952237"/>
+            <a:ext cx="652732" cy="646983"/>
+          </a:xfrm>
+          <a:prstGeom prst="roundRect">
+            <a:avLst/>
+          </a:prstGeom>
+          <a:solidFill>
+            <a:schemeClr val="accent2">
+              <a:lumMod val="40000"/>
+              <a:lumOff val="60000"/>
+            </a:schemeClr>
+          </a:solidFill>
+          <a:ln>
+            <a:solidFill>
+              <a:schemeClr val="tx1"/>
+            </a:solidFill>
+          </a:ln>
+        </p:spPr>
+        <p:style>
+          <a:lnRef idx="2">
+            <a:schemeClr val="accent1">
+              <a:shade val="50000"/>
+            </a:schemeClr>
+          </a:lnRef>
+          <a:fillRef idx="1">
+            <a:schemeClr val="accent1"/>
+          </a:fillRef>
+          <a:effectRef idx="0">
+            <a:schemeClr val="accent1"/>
+          </a:effectRef>
+          <a:fontRef idx="minor">
+            <a:schemeClr val="lt1"/>
+          </a:fontRef>
+        </p:style>
+        <p:txBody>
+          <a:bodyPr rtlCol="0" anchor="ctr"/>
+          <a:lstStyle/>
+          <a:p>
+            <a:pPr algn="ctr"/>
+            <a:endParaRPr lang="it-IT" sz="3200" b="1" dirty="0">
+              <a:solidFill>
+                <a:schemeClr val="tx1"/>
+              </a:solidFill>
+              <a:latin typeface="Century Schoolbook" panose="02040604050505020304" pitchFamily="18" charset="0"/>
+            </a:endParaRPr>
+          </a:p>
+        </p:txBody>
+      </p:sp>
+      <p:sp>
+        <p:nvSpPr>
+          <p:cNvPr id="7" name="Rettangolo arrotondato 6"/>
+          <p:cNvSpPr/>
+          <p:nvPr/>
+        </p:nvSpPr>
+        <p:spPr>
+          <a:xfrm>
+            <a:off x="11280488" y="5952237"/>
+            <a:ext cx="652732" cy="646983"/>
+          </a:xfrm>
+          <a:prstGeom prst="roundRect">
+            <a:avLst/>
+          </a:prstGeom>
+          <a:solidFill>
+            <a:schemeClr val="accent4">
+              <a:lumMod val="40000"/>
+              <a:lumOff val="60000"/>
+            </a:schemeClr>
+          </a:solidFill>
+          <a:ln>
+            <a:solidFill>
+              <a:schemeClr val="tx1"/>
+            </a:solidFill>
+          </a:ln>
+        </p:spPr>
+        <p:style>
+          <a:lnRef idx="2">
+            <a:schemeClr val="accent1">
+              <a:shade val="50000"/>
+            </a:schemeClr>
+          </a:lnRef>
+          <a:fillRef idx="1">
+            <a:schemeClr val="accent1"/>
+          </a:fillRef>
+          <a:effectRef idx="0">
+            <a:schemeClr val="accent1"/>
+          </a:effectRef>
+          <a:fontRef idx="minor">
+            <a:schemeClr val="lt1"/>
+          </a:fontRef>
+        </p:style>
+        <p:txBody>
+          <a:bodyPr rtlCol="0" anchor="ctr"/>
+          <a:lstStyle/>
+          <a:p>
+            <a:pPr algn="ctr"/>
+            <a:endParaRPr lang="it-IT" sz="3200" b="1" dirty="0">
+              <a:solidFill>
+                <a:schemeClr val="tx1"/>
+              </a:solidFill>
+              <a:latin typeface="Century Schoolbook" panose="02040604050505020304" pitchFamily="18" charset="0"/>
+            </a:endParaRPr>
+          </a:p>
+        </p:txBody>
+      </p:sp>
+      <p:sp>
+        <p:nvSpPr>
+          <p:cNvPr id="8" name="Rettangolo 7"/>
+          <p:cNvSpPr/>
+          <p:nvPr/>
+        </p:nvSpPr>
+        <p:spPr>
+          <a:xfrm>
+            <a:off x="2808081" y="3075057"/>
+            <a:ext cx="6575838" cy="707886"/>
           </a:xfrm>
           <a:prstGeom prst="rect">
             <a:avLst/>
           </a:prstGeom>
         </p:spPr>
-      </p:pic>
-      <p:pic>
-        <p:nvPicPr>
-          <p:cNvPr id="5" name="Immagine 4"/>
-          <p:cNvPicPr>
-            <a:picLocks noChangeAspect="1"/>
-          </p:cNvPicPr>
+        <p:txBody>
+          <a:bodyPr wrap="none">
+            <a:spAutoFit/>
+          </a:bodyPr>
+          <a:lstStyle/>
+          <a:p>
+            <a:pPr algn="ctr"/>
+            <a:r>
+              <a:rPr lang="it-IT" sz="4000" b="1" dirty="0" smtClean="0">
+                <a:latin typeface="Century Schoolbook" panose="02040604050505020304" pitchFamily="18" charset="0"/>
+              </a:rPr>
+              <a:t>Automated Car-Parking</a:t>
+            </a:r>
+            <a:endParaRPr lang="it-IT" sz="4000" b="1" dirty="0">
+              <a:latin typeface="Century Schoolbook" panose="02040604050505020304" pitchFamily="18" charset="0"/>
+            </a:endParaRPr>
+          </a:p>
+        </p:txBody>
+      </p:sp>
+      <p:sp>
+        <p:nvSpPr>
+          <p:cNvPr id="9" name="Rettangolo 8"/>
+          <p:cNvSpPr/>
           <p:nvPr/>
-        </p:nvPicPr>
-        <p:blipFill>
-          <a:blip r:embed="rId3">
-            <a:extLst>
-              <a:ext uri="{28A0092B-C50C-407E-A947-70E740481C1C}">
-                <a14:useLocalDpi xmlns:a14="http://schemas.microsoft.com/office/drawing/2010/main" val="0"/>
-              </a:ext>
-            </a:extLst>
-          </a:blip>
-          <a:stretch>
-            <a:fillRect/>
-          </a:stretch>
-        </p:blipFill>
-        <p:spPr>
-          <a:xfrm>
-            <a:off x="1153903" y="979463"/>
-            <a:ext cx="4152956" cy="2503811"/>
+        </p:nvSpPr>
+        <p:spPr>
+          <a:xfrm>
+            <a:off x="3343483" y="3782943"/>
+            <a:ext cx="5505033" cy="369332"/>
           </a:xfrm>
           <a:prstGeom prst="rect">
             <a:avLst/>
           </a:prstGeom>
         </p:spPr>
-      </p:pic>
-      <p:pic>
-        <p:nvPicPr>
-          <p:cNvPr id="10" name="Immagine 9"/>
-          <p:cNvPicPr>
-            <a:picLocks noChangeAspect="1"/>
-          </p:cNvPicPr>
-          <p:nvPr/>
-        </p:nvPicPr>
-        <p:blipFill>
-          <a:blip r:embed="rId4"/>
-          <a:stretch>
-            <a:fillRect/>
-          </a:stretch>
-        </p:blipFill>
-        <p:spPr>
-          <a:xfrm>
-            <a:off x="9435594" y="979463"/>
-            <a:ext cx="1666185" cy="3230228"/>
-          </a:xfrm>
-          <a:prstGeom prst="rect">
-            <a:avLst/>
-          </a:prstGeom>
-        </p:spPr>
-      </p:pic>
-      <p:pic>
-        <p:nvPicPr>
-          <p:cNvPr id="11" name="Immagine 10"/>
-          <p:cNvPicPr>
-            <a:picLocks noChangeAspect="1"/>
-          </p:cNvPicPr>
-          <p:nvPr/>
-        </p:nvPicPr>
-        <p:blipFill>
-          <a:blip r:embed="rId5"/>
-          <a:stretch>
-            <a:fillRect/>
-          </a:stretch>
-        </p:blipFill>
-        <p:spPr>
-          <a:xfrm>
-            <a:off x="9272430" y="4386897"/>
-            <a:ext cx="1992512" cy="2224650"/>
-          </a:xfrm>
-          <a:prstGeom prst="rect">
-            <a:avLst/>
-          </a:prstGeom>
-        </p:spPr>
-      </p:pic>
-      <p:pic>
-        <p:nvPicPr>
-          <p:cNvPr id="12" name="Immagine 11"/>
-          <p:cNvPicPr>
-            <a:picLocks noChangeAspect="1"/>
-          </p:cNvPicPr>
-          <p:nvPr/>
-        </p:nvPicPr>
-        <p:blipFill>
-          <a:blip r:embed="rId6"/>
-          <a:stretch>
-            <a:fillRect/>
-          </a:stretch>
-        </p:blipFill>
-        <p:spPr>
-          <a:xfrm>
-            <a:off x="7128556" y="4385650"/>
-            <a:ext cx="1860169" cy="2225897"/>
-          </a:xfrm>
-          <a:prstGeom prst="rect">
-            <a:avLst/>
-          </a:prstGeom>
-        </p:spPr>
-      </p:pic>
-      <p:pic>
-        <p:nvPicPr>
-          <p:cNvPr id="13" name="Immagine 12"/>
-          <p:cNvPicPr>
-            <a:picLocks noChangeAspect="1"/>
-          </p:cNvPicPr>
-          <p:nvPr/>
-        </p:nvPicPr>
-        <p:blipFill>
-          <a:blip r:embed="rId7"/>
-          <a:stretch>
-            <a:fillRect/>
-          </a:stretch>
-        </p:blipFill>
-        <p:spPr>
-          <a:xfrm>
-            <a:off x="7128556" y="983107"/>
-            <a:ext cx="1920432" cy="3226584"/>
-          </a:xfrm>
-          <a:prstGeom prst="rect">
-            <a:avLst/>
-          </a:prstGeom>
-        </p:spPr>
-      </p:pic>
+        <p:txBody>
+          <a:bodyPr wrap="none">
+            <a:spAutoFit/>
+          </a:bodyPr>
+          <a:lstStyle/>
+          <a:p>
+            <a:pPr algn="ctr"/>
+            <a:r>
+              <a:rPr lang="it-IT" i="1" dirty="0" smtClean="0">
+                <a:latin typeface="Century Schoolbook" panose="02040604050505020304" pitchFamily="18" charset="0"/>
+              </a:rPr>
+              <a:t>by </a:t>
+            </a:r>
+            <a:r>
+              <a:rPr lang="it-IT" i="1" dirty="0">
+                <a:latin typeface="Century Schoolbook" panose="02040604050505020304" pitchFamily="18" charset="0"/>
+              </a:rPr>
+              <a:t>Giacomo Fantazzini and Claudia Badalamenti</a:t>
+            </a:r>
+          </a:p>
+        </p:txBody>
+      </p:sp>
     </p:spTree>
     <p:extLst>
       <p:ext uri="{BB962C8B-B14F-4D97-AF65-F5344CB8AC3E}">
-        <p14:creationId xmlns:p14="http://schemas.microsoft.com/office/powerpoint/2010/main" val="588856832"/>
+        <p14:creationId xmlns:p14="http://schemas.microsoft.com/office/powerpoint/2010/main" val="1963641945"/>
       </p:ext>
     </p:extLst>
   </p:cSld>
@@ -3212,7 +3287,7 @@
       </p:grpSpPr>
       <p:sp>
         <p:nvSpPr>
-          <p:cNvPr id="4" name="Rettangolo arrotondato 3"/>
+          <p:cNvPr id="2" name="Rettangolo arrotondato 1"/>
           <p:cNvSpPr/>
           <p:nvPr/>
         </p:nvSpPr>
@@ -3225,7 +3300,7 @@
             <a:avLst/>
           </a:prstGeom>
           <a:solidFill>
-            <a:schemeClr val="accent6">
+            <a:schemeClr val="accent1">
               <a:lumMod val="40000"/>
               <a:lumOff val="60000"/>
             </a:schemeClr>
@@ -3264,7 +3339,7 @@
                 </a:solidFill>
                 <a:latin typeface="Century Schoolbook" panose="02040604050505020304" pitchFamily="18" charset="0"/>
               </a:rPr>
-              <a:t>The Directional Planner</a:t>
+              <a:t>The Mock-Objects</a:t>
             </a:r>
             <a:endParaRPr lang="it-IT" sz="3200" b="1" dirty="0">
               <a:solidFill>
@@ -3275,343 +3350,220 @@
           </a:p>
         </p:txBody>
       </p:sp>
-      <p:grpSp>
-        <p:nvGrpSpPr>
-          <p:cNvPr id="8" name="Gruppo 7"/>
-          <p:cNvGrpSpPr/>
+      <p:pic>
+        <p:nvPicPr>
+          <p:cNvPr id="4" name="Immagine 3"/>
+          <p:cNvPicPr>
+            <a:picLocks noChangeAspect="1"/>
+          </p:cNvPicPr>
           <p:nvPr/>
-        </p:nvGrpSpPr>
-        <p:grpSpPr>
-          <a:xfrm>
-            <a:off x="9122163" y="2364799"/>
-            <a:ext cx="2502852" cy="3958396"/>
-            <a:chOff x="619910" y="1812674"/>
-            <a:chExt cx="2502852" cy="3958396"/>
-          </a:xfrm>
-        </p:grpSpPr>
-        <p:sp>
-          <p:nvSpPr>
-            <p:cNvPr id="6" name="Rettangolo 5"/>
-            <p:cNvSpPr/>
-            <p:nvPr/>
-          </p:nvSpPr>
-          <p:spPr>
-            <a:xfrm>
-              <a:off x="646981" y="2320505"/>
-              <a:ext cx="2475781" cy="3450565"/>
-            </a:xfrm>
-            <a:prstGeom prst="rect">
-              <a:avLst/>
-            </a:prstGeom>
-            <a:solidFill>
-              <a:schemeClr val="accent4">
-                <a:lumMod val="20000"/>
-                <a:lumOff val="80000"/>
-              </a:schemeClr>
-            </a:solidFill>
-            <a:ln>
-              <a:solidFill>
-                <a:schemeClr val="tx1"/>
-              </a:solidFill>
-            </a:ln>
-          </p:spPr>
-          <p:style>
-            <a:lnRef idx="2">
-              <a:schemeClr val="accent1">
-                <a:shade val="50000"/>
-              </a:schemeClr>
-            </a:lnRef>
-            <a:fillRef idx="1">
-              <a:schemeClr val="accent1"/>
-            </a:fillRef>
-            <a:effectRef idx="0">
-              <a:schemeClr val="accent1"/>
-            </a:effectRef>
-            <a:fontRef idx="minor">
-              <a:schemeClr val="lt1"/>
-            </a:fontRef>
-          </p:style>
-          <p:txBody>
-            <a:bodyPr rtlCol="0" anchor="ctr"/>
-            <a:lstStyle/>
-            <a:p>
-              <a:pPr>
-                <a:lnSpc>
-                  <a:spcPct val="150000"/>
-                </a:lnSpc>
-              </a:pPr>
-              <a:r>
-                <a:rPr lang="it-IT" sz="1600" dirty="0" smtClean="0">
-                  <a:solidFill>
-                    <a:schemeClr val="tx1"/>
-                  </a:solidFill>
-                  <a:latin typeface="Consolas" panose="020B0609020204030204" pitchFamily="49" charset="0"/>
-                </a:rPr>
-                <a:t> home(0, 0, s).</a:t>
-              </a:r>
-            </a:p>
-            <a:p>
-              <a:pPr>
-                <a:lnSpc>
-                  <a:spcPct val="150000"/>
-                </a:lnSpc>
-              </a:pPr>
-              <a:r>
-                <a:rPr lang="it-IT" sz="1600" dirty="0" smtClean="0">
-                  <a:solidFill>
-                    <a:schemeClr val="tx1"/>
-                  </a:solidFill>
-                  <a:latin typeface="Consolas" panose="020B0609020204030204" pitchFamily="49" charset="0"/>
-                </a:rPr>
-                <a:t> indoor(6</a:t>
-              </a:r>
-              <a:r>
-                <a:rPr lang="it-IT" sz="1600" dirty="0">
-                  <a:solidFill>
-                    <a:schemeClr val="tx1"/>
-                  </a:solidFill>
-                  <a:latin typeface="Consolas" panose="020B0609020204030204" pitchFamily="49" charset="0"/>
-                </a:rPr>
-                <a:t>, 0, n).</a:t>
-              </a:r>
-            </a:p>
-            <a:p>
-              <a:pPr>
-                <a:lnSpc>
-                  <a:spcPct val="150000"/>
-                </a:lnSpc>
-              </a:pPr>
-              <a:r>
-                <a:rPr lang="it-IT" sz="1600" dirty="0" smtClean="0">
-                  <a:solidFill>
-                    <a:schemeClr val="tx1"/>
-                  </a:solidFill>
-                  <a:latin typeface="Consolas" panose="020B0609020204030204" pitchFamily="49" charset="0"/>
-                </a:rPr>
-                <a:t> outdoor(6</a:t>
-              </a:r>
-              <a:r>
-                <a:rPr lang="it-IT" sz="1600" dirty="0">
-                  <a:solidFill>
-                    <a:schemeClr val="tx1"/>
-                  </a:solidFill>
-                  <a:latin typeface="Consolas" panose="020B0609020204030204" pitchFamily="49" charset="0"/>
-                </a:rPr>
-                <a:t>, 4, s).</a:t>
-              </a:r>
-            </a:p>
-            <a:p>
-              <a:pPr>
-                <a:lnSpc>
-                  <a:spcPct val="150000"/>
-                </a:lnSpc>
-              </a:pPr>
-              <a:r>
-                <a:rPr lang="it-IT" sz="1600" dirty="0" smtClean="0">
-                  <a:solidFill>
-                    <a:schemeClr val="tx1"/>
-                  </a:solidFill>
-                  <a:latin typeface="Consolas" panose="020B0609020204030204" pitchFamily="49" charset="0"/>
-                </a:rPr>
-                <a:t> parking1(1</a:t>
-              </a:r>
-              <a:r>
-                <a:rPr lang="it-IT" sz="1600" dirty="0">
-                  <a:solidFill>
-                    <a:schemeClr val="tx1"/>
-                  </a:solidFill>
-                  <a:latin typeface="Consolas" panose="020B0609020204030204" pitchFamily="49" charset="0"/>
-                </a:rPr>
-                <a:t>, 1, e).</a:t>
-              </a:r>
-            </a:p>
-            <a:p>
-              <a:pPr>
-                <a:lnSpc>
-                  <a:spcPct val="150000"/>
-                </a:lnSpc>
-              </a:pPr>
-              <a:r>
-                <a:rPr lang="it-IT" sz="1600" dirty="0" smtClean="0">
-                  <a:solidFill>
-                    <a:schemeClr val="tx1"/>
-                  </a:solidFill>
-                  <a:latin typeface="Consolas" panose="020B0609020204030204" pitchFamily="49" charset="0"/>
-                </a:rPr>
-                <a:t> parking2(1</a:t>
-              </a:r>
-              <a:r>
-                <a:rPr lang="it-IT" sz="1600" dirty="0">
-                  <a:solidFill>
-                    <a:schemeClr val="tx1"/>
-                  </a:solidFill>
-                  <a:latin typeface="Consolas" panose="020B0609020204030204" pitchFamily="49" charset="0"/>
-                </a:rPr>
-                <a:t>, 2, e).</a:t>
-              </a:r>
-            </a:p>
-            <a:p>
-              <a:pPr>
-                <a:lnSpc>
-                  <a:spcPct val="150000"/>
-                </a:lnSpc>
-              </a:pPr>
-              <a:r>
-                <a:rPr lang="it-IT" sz="1600" dirty="0" smtClean="0">
-                  <a:solidFill>
-                    <a:schemeClr val="tx1"/>
-                  </a:solidFill>
-                  <a:latin typeface="Consolas" panose="020B0609020204030204" pitchFamily="49" charset="0"/>
-                </a:rPr>
-                <a:t> parking3(1</a:t>
-              </a:r>
-              <a:r>
-                <a:rPr lang="it-IT" sz="1600" dirty="0">
-                  <a:solidFill>
-                    <a:schemeClr val="tx1"/>
-                  </a:solidFill>
-                  <a:latin typeface="Consolas" panose="020B0609020204030204" pitchFamily="49" charset="0"/>
-                </a:rPr>
-                <a:t>, 3, e).</a:t>
-              </a:r>
-            </a:p>
-            <a:p>
-              <a:pPr>
-                <a:lnSpc>
-                  <a:spcPct val="150000"/>
-                </a:lnSpc>
-              </a:pPr>
-              <a:r>
-                <a:rPr lang="it-IT" sz="1600" dirty="0" smtClean="0">
-                  <a:solidFill>
-                    <a:schemeClr val="tx1"/>
-                  </a:solidFill>
-                  <a:latin typeface="Consolas" panose="020B0609020204030204" pitchFamily="49" charset="0"/>
-                </a:rPr>
-                <a:t> parking4(4</a:t>
-              </a:r>
-              <a:r>
-                <a:rPr lang="it-IT" sz="1600" dirty="0">
-                  <a:solidFill>
-                    <a:schemeClr val="tx1"/>
-                  </a:solidFill>
-                  <a:latin typeface="Consolas" panose="020B0609020204030204" pitchFamily="49" charset="0"/>
-                </a:rPr>
-                <a:t>, 1, w).</a:t>
-              </a:r>
-            </a:p>
-            <a:p>
-              <a:pPr>
-                <a:lnSpc>
-                  <a:spcPct val="150000"/>
-                </a:lnSpc>
-              </a:pPr>
-              <a:r>
-                <a:rPr lang="it-IT" sz="1600" dirty="0" smtClean="0">
-                  <a:solidFill>
-                    <a:schemeClr val="tx1"/>
-                  </a:solidFill>
-                  <a:latin typeface="Consolas" panose="020B0609020204030204" pitchFamily="49" charset="0"/>
-                </a:rPr>
-                <a:t> parking5(4</a:t>
-              </a:r>
-              <a:r>
-                <a:rPr lang="it-IT" sz="1600" dirty="0">
-                  <a:solidFill>
-                    <a:schemeClr val="tx1"/>
-                  </a:solidFill>
-                  <a:latin typeface="Consolas" panose="020B0609020204030204" pitchFamily="49" charset="0"/>
-                </a:rPr>
-                <a:t>, 2, w).</a:t>
-              </a:r>
-            </a:p>
-            <a:p>
-              <a:pPr>
-                <a:lnSpc>
-                  <a:spcPct val="150000"/>
-                </a:lnSpc>
-              </a:pPr>
-              <a:r>
-                <a:rPr lang="it-IT" sz="1600" dirty="0" smtClean="0">
-                  <a:solidFill>
-                    <a:schemeClr val="tx1"/>
-                  </a:solidFill>
-                  <a:latin typeface="Consolas" panose="020B0609020204030204" pitchFamily="49" charset="0"/>
-                </a:rPr>
-                <a:t> parking6(4</a:t>
-              </a:r>
-              <a:r>
-                <a:rPr lang="it-IT" sz="1600" dirty="0">
-                  <a:solidFill>
-                    <a:schemeClr val="tx1"/>
-                  </a:solidFill>
-                  <a:latin typeface="Consolas" panose="020B0609020204030204" pitchFamily="49" charset="0"/>
-                </a:rPr>
-                <a:t>, 3, w).</a:t>
-              </a:r>
-            </a:p>
-          </p:txBody>
-        </p:sp>
-        <p:sp>
-          <p:nvSpPr>
-            <p:cNvPr id="7" name="Rettangolo 6"/>
-            <p:cNvSpPr/>
-            <p:nvPr/>
-          </p:nvSpPr>
-          <p:spPr>
-            <a:xfrm>
-              <a:off x="619910" y="1812674"/>
-              <a:ext cx="1705916" cy="507831"/>
-            </a:xfrm>
-            <a:prstGeom prst="rect">
-              <a:avLst/>
-            </a:prstGeom>
-          </p:spPr>
-          <p:txBody>
-            <a:bodyPr wrap="none">
-              <a:spAutoFit/>
-            </a:bodyPr>
-            <a:lstStyle/>
-            <a:p>
-              <a:pPr>
-                <a:lnSpc>
-                  <a:spcPct val="150000"/>
-                </a:lnSpc>
-              </a:pPr>
-              <a:r>
-                <a:rPr lang="it-IT" dirty="0" smtClean="0">
-                  <a:latin typeface="Century Schoolbook" panose="02040604050505020304" pitchFamily="18" charset="0"/>
-                </a:rPr>
-                <a:t>locationsKb.pl</a:t>
-              </a:r>
-              <a:endParaRPr lang="it-IT" dirty="0">
-                <a:latin typeface="Century Schoolbook" panose="02040604050505020304" pitchFamily="18" charset="0"/>
-              </a:endParaRPr>
-            </a:p>
-          </p:txBody>
-        </p:sp>
-      </p:grpSp>
-      <p:sp>
-        <p:nvSpPr>
-          <p:cNvPr id="14" name="Ovale 13"/>
+        </p:nvPicPr>
+        <p:blipFill>
+          <a:blip r:embed="rId2">
+            <a:extLst>
+              <a:ext uri="{28A0092B-C50C-407E-A947-70E740481C1C}">
+                <a14:useLocalDpi xmlns:a14="http://schemas.microsoft.com/office/drawing/2010/main" val="0"/>
+              </a:ext>
+            </a:extLst>
+          </a:blip>
+          <a:stretch>
+            <a:fillRect/>
+          </a:stretch>
+        </p:blipFill>
+        <p:spPr>
+          <a:xfrm>
+            <a:off x="586592" y="3556963"/>
+            <a:ext cx="5166808" cy="3208298"/>
+          </a:xfrm>
+          <a:prstGeom prst="rect">
+            <a:avLst/>
+          </a:prstGeom>
+        </p:spPr>
+      </p:pic>
+      <p:pic>
+        <p:nvPicPr>
+          <p:cNvPr id="5" name="Immagine 4"/>
+          <p:cNvPicPr>
+            <a:picLocks noChangeAspect="1"/>
+          </p:cNvPicPr>
+          <p:nvPr/>
+        </p:nvPicPr>
+        <p:blipFill>
+          <a:blip r:embed="rId3">
+            <a:extLst>
+              <a:ext uri="{28A0092B-C50C-407E-A947-70E740481C1C}">
+                <a14:useLocalDpi xmlns:a14="http://schemas.microsoft.com/office/drawing/2010/main" val="0"/>
+              </a:ext>
+            </a:extLst>
+          </a:blip>
+          <a:stretch>
+            <a:fillRect/>
+          </a:stretch>
+        </p:blipFill>
+        <p:spPr>
+          <a:xfrm>
+            <a:off x="1153903" y="979463"/>
+            <a:ext cx="4152956" cy="2503811"/>
+          </a:xfrm>
+          <a:prstGeom prst="rect">
+            <a:avLst/>
+          </a:prstGeom>
+        </p:spPr>
+      </p:pic>
+      <p:pic>
+        <p:nvPicPr>
+          <p:cNvPr id="10" name="Immagine 9"/>
+          <p:cNvPicPr>
+            <a:picLocks noChangeAspect="1"/>
+          </p:cNvPicPr>
+          <p:nvPr/>
+        </p:nvPicPr>
+        <p:blipFill>
+          <a:blip r:embed="rId4"/>
+          <a:stretch>
+            <a:fillRect/>
+          </a:stretch>
+        </p:blipFill>
+        <p:spPr>
+          <a:xfrm>
+            <a:off x="9435594" y="979463"/>
+            <a:ext cx="1666185" cy="3230228"/>
+          </a:xfrm>
+          <a:prstGeom prst="rect">
+            <a:avLst/>
+          </a:prstGeom>
+        </p:spPr>
+      </p:pic>
+      <p:pic>
+        <p:nvPicPr>
+          <p:cNvPr id="11" name="Immagine 10"/>
+          <p:cNvPicPr>
+            <a:picLocks noChangeAspect="1"/>
+          </p:cNvPicPr>
+          <p:nvPr/>
+        </p:nvPicPr>
+        <p:blipFill>
+          <a:blip r:embed="rId5"/>
+          <a:stretch>
+            <a:fillRect/>
+          </a:stretch>
+        </p:blipFill>
+        <p:spPr>
+          <a:xfrm>
+            <a:off x="9272430" y="4386897"/>
+            <a:ext cx="1992512" cy="2224650"/>
+          </a:xfrm>
+          <a:prstGeom prst="rect">
+            <a:avLst/>
+          </a:prstGeom>
+        </p:spPr>
+      </p:pic>
+      <p:pic>
+        <p:nvPicPr>
+          <p:cNvPr id="12" name="Immagine 11"/>
+          <p:cNvPicPr>
+            <a:picLocks noChangeAspect="1"/>
+          </p:cNvPicPr>
+          <p:nvPr/>
+        </p:nvPicPr>
+        <p:blipFill>
+          <a:blip r:embed="rId6"/>
+          <a:stretch>
+            <a:fillRect/>
+          </a:stretch>
+        </p:blipFill>
+        <p:spPr>
+          <a:xfrm>
+            <a:off x="7128556" y="4385650"/>
+            <a:ext cx="1860169" cy="2225897"/>
+          </a:xfrm>
+          <a:prstGeom prst="rect">
+            <a:avLst/>
+          </a:prstGeom>
+        </p:spPr>
+      </p:pic>
+      <p:pic>
+        <p:nvPicPr>
+          <p:cNvPr id="13" name="Immagine 12"/>
+          <p:cNvPicPr>
+            <a:picLocks noChangeAspect="1"/>
+          </p:cNvPicPr>
+          <p:nvPr/>
+        </p:nvPicPr>
+        <p:blipFill>
+          <a:blip r:embed="rId7"/>
+          <a:stretch>
+            <a:fillRect/>
+          </a:stretch>
+        </p:blipFill>
+        <p:spPr>
+          <a:xfrm>
+            <a:off x="7128556" y="983107"/>
+            <a:ext cx="1920432" cy="3226584"/>
+          </a:xfrm>
+          <a:prstGeom prst="rect">
+            <a:avLst/>
+          </a:prstGeom>
+        </p:spPr>
+      </p:pic>
+    </p:spTree>
+    <p:extLst>
+      <p:ext uri="{BB962C8B-B14F-4D97-AF65-F5344CB8AC3E}">
+        <p14:creationId xmlns:p14="http://schemas.microsoft.com/office/powerpoint/2010/main" val="588856832"/>
+      </p:ext>
+    </p:extLst>
+  </p:cSld>
+  <p:clrMapOvr>
+    <a:masterClrMapping/>
+  </p:clrMapOvr>
+  <p:timing>
+    <p:tnLst>
+      <p:par>
+        <p:cTn id="1" dur="indefinite" restart="never" nodeType="tmRoot"/>
+      </p:par>
+    </p:tnLst>
+  </p:timing>
+</p:sld>
+</file>
+
+<file path=ppt/slides/slide3.xml><?xml version="1.0" encoding="utf-8"?>
+<p:sld xmlns:a="http://schemas.openxmlformats.org/drawingml/2006/main" xmlns:r="http://schemas.openxmlformats.org/officeDocument/2006/relationships" xmlns:p="http://schemas.openxmlformats.org/presentationml/2006/main">
+  <p:cSld>
+    <p:spTree>
+      <p:nvGrpSpPr>
+        <p:cNvPr id="1" name=""/>
+        <p:cNvGrpSpPr/>
+        <p:nvPr/>
+      </p:nvGrpSpPr>
+      <p:grpSpPr>
+        <a:xfrm>
+          <a:off x="0" y="0"/>
+          <a:ext cx="0" cy="0"/>
+          <a:chOff x="0" y="0"/>
+          <a:chExt cx="0" cy="0"/>
+        </a:xfrm>
+      </p:grpSpPr>
+      <p:sp>
+        <p:nvSpPr>
+          <p:cNvPr id="4" name="Rettangolo arrotondato 3"/>
           <p:cNvSpPr/>
           <p:nvPr/>
         </p:nvSpPr>
         <p:spPr>
           <a:xfrm>
-            <a:off x="3956752" y="1804562"/>
-            <a:ext cx="1302611" cy="982897"/>
-          </a:xfrm>
-          <a:prstGeom prst="ellipse">
+            <a:off x="158151" y="155274"/>
+            <a:ext cx="11875698" cy="646983"/>
+          </a:xfrm>
+          <a:prstGeom prst="roundRect">
             <a:avLst/>
           </a:prstGeom>
           <a:solidFill>
-            <a:schemeClr val="accent1">
-              <a:lumMod val="20000"/>
-              <a:lumOff val="80000"/>
+            <a:schemeClr val="accent6">
+              <a:lumMod val="40000"/>
+              <a:lumOff val="60000"/>
             </a:schemeClr>
           </a:solidFill>
-          <a:ln w="12700">
+          <a:ln>
             <a:solidFill>
               <a:schemeClr val="tx1"/>
             </a:solidFill>
@@ -3639,29 +3591,35 @@
           <a:p>
             <a:pPr algn="ctr"/>
             <a:r>
-              <a:rPr lang="it-IT" sz="1400" dirty="0">
+              <a:rPr lang="it-IT" sz="3200" b="1" dirty="0" smtClean="0">
                 <a:solidFill>
                   <a:schemeClr val="tx1"/>
                 </a:solidFill>
                 <a:latin typeface="Century Schoolbook" panose="02040604050505020304" pitchFamily="18" charset="0"/>
               </a:rPr>
-              <a:t>Planner Util</a:t>
-            </a:r>
-          </a:p>
-        </p:txBody>
-      </p:sp>
-      <p:sp>
-        <p:nvSpPr>
-          <p:cNvPr id="16" name="Rettangolo arrotondato 15"/>
+              <a:t>The Directional Planner</a:t>
+            </a:r>
+            <a:endParaRPr lang="it-IT" sz="3200" b="1" dirty="0">
+              <a:solidFill>
+                <a:schemeClr val="tx1"/>
+              </a:solidFill>
+              <a:latin typeface="Century Schoolbook" panose="02040604050505020304" pitchFamily="18" charset="0"/>
+            </a:endParaRPr>
+          </a:p>
+        </p:txBody>
+      </p:sp>
+      <p:sp>
+        <p:nvSpPr>
+          <p:cNvPr id="6" name="Rettangolo 5"/>
           <p:cNvSpPr/>
           <p:nvPr/>
         </p:nvSpPr>
         <p:spPr>
           <a:xfrm>
-            <a:off x="3801820" y="3373069"/>
-            <a:ext cx="1616791" cy="471580"/>
-          </a:xfrm>
-          <a:prstGeom prst="roundRect">
+            <a:off x="9780492" y="3652631"/>
+            <a:ext cx="2194502" cy="3019278"/>
+          </a:xfrm>
+          <a:prstGeom prst="rect">
             <a:avLst/>
           </a:prstGeom>
           <a:solidFill>
@@ -3696,6 +3654,366 @@
           <a:bodyPr rtlCol="0" anchor="ctr"/>
           <a:lstStyle/>
           <a:p>
+            <a:pPr>
+              <a:lnSpc>
+                <a:spcPct val="150000"/>
+              </a:lnSpc>
+            </a:pPr>
+            <a:r>
+              <a:rPr lang="it-IT" sz="1400" dirty="0" smtClean="0">
+                <a:solidFill>
+                  <a:schemeClr val="tx1"/>
+                </a:solidFill>
+                <a:latin typeface="Consolas" panose="020B0609020204030204" pitchFamily="49" charset="0"/>
+              </a:rPr>
+              <a:t> home(0, 0, s).</a:t>
+            </a:r>
+          </a:p>
+          <a:p>
+            <a:pPr>
+              <a:lnSpc>
+                <a:spcPct val="150000"/>
+              </a:lnSpc>
+            </a:pPr>
+            <a:r>
+              <a:rPr lang="it-IT" sz="1400" dirty="0" smtClean="0">
+                <a:solidFill>
+                  <a:schemeClr val="tx1"/>
+                </a:solidFill>
+                <a:latin typeface="Consolas" panose="020B0609020204030204" pitchFamily="49" charset="0"/>
+              </a:rPr>
+              <a:t> indoor(6</a:t>
+            </a:r>
+            <a:r>
+              <a:rPr lang="it-IT" sz="1400" dirty="0">
+                <a:solidFill>
+                  <a:schemeClr val="tx1"/>
+                </a:solidFill>
+                <a:latin typeface="Consolas" panose="020B0609020204030204" pitchFamily="49" charset="0"/>
+              </a:rPr>
+              <a:t>, 0, n).</a:t>
+            </a:r>
+          </a:p>
+          <a:p>
+            <a:pPr>
+              <a:lnSpc>
+                <a:spcPct val="150000"/>
+              </a:lnSpc>
+            </a:pPr>
+            <a:r>
+              <a:rPr lang="it-IT" sz="1400" dirty="0" smtClean="0">
+                <a:solidFill>
+                  <a:schemeClr val="tx1"/>
+                </a:solidFill>
+                <a:latin typeface="Consolas" panose="020B0609020204030204" pitchFamily="49" charset="0"/>
+              </a:rPr>
+              <a:t> outdoor(6</a:t>
+            </a:r>
+            <a:r>
+              <a:rPr lang="it-IT" sz="1400" dirty="0">
+                <a:solidFill>
+                  <a:schemeClr val="tx1"/>
+                </a:solidFill>
+                <a:latin typeface="Consolas" panose="020B0609020204030204" pitchFamily="49" charset="0"/>
+              </a:rPr>
+              <a:t>, 4, s).</a:t>
+            </a:r>
+          </a:p>
+          <a:p>
+            <a:pPr>
+              <a:lnSpc>
+                <a:spcPct val="150000"/>
+              </a:lnSpc>
+            </a:pPr>
+            <a:r>
+              <a:rPr lang="it-IT" sz="1400" dirty="0" smtClean="0">
+                <a:solidFill>
+                  <a:schemeClr val="tx1"/>
+                </a:solidFill>
+                <a:latin typeface="Consolas" panose="020B0609020204030204" pitchFamily="49" charset="0"/>
+              </a:rPr>
+              <a:t> parking1(1</a:t>
+            </a:r>
+            <a:r>
+              <a:rPr lang="it-IT" sz="1400" dirty="0">
+                <a:solidFill>
+                  <a:schemeClr val="tx1"/>
+                </a:solidFill>
+                <a:latin typeface="Consolas" panose="020B0609020204030204" pitchFamily="49" charset="0"/>
+              </a:rPr>
+              <a:t>, 1, e).</a:t>
+            </a:r>
+          </a:p>
+          <a:p>
+            <a:pPr>
+              <a:lnSpc>
+                <a:spcPct val="150000"/>
+              </a:lnSpc>
+            </a:pPr>
+            <a:r>
+              <a:rPr lang="it-IT" sz="1400" dirty="0" smtClean="0">
+                <a:solidFill>
+                  <a:schemeClr val="tx1"/>
+                </a:solidFill>
+                <a:latin typeface="Consolas" panose="020B0609020204030204" pitchFamily="49" charset="0"/>
+              </a:rPr>
+              <a:t> parking2(1</a:t>
+            </a:r>
+            <a:r>
+              <a:rPr lang="it-IT" sz="1400" dirty="0">
+                <a:solidFill>
+                  <a:schemeClr val="tx1"/>
+                </a:solidFill>
+                <a:latin typeface="Consolas" panose="020B0609020204030204" pitchFamily="49" charset="0"/>
+              </a:rPr>
+              <a:t>, 2, e).</a:t>
+            </a:r>
+          </a:p>
+          <a:p>
+            <a:pPr>
+              <a:lnSpc>
+                <a:spcPct val="150000"/>
+              </a:lnSpc>
+            </a:pPr>
+            <a:r>
+              <a:rPr lang="it-IT" sz="1400" dirty="0" smtClean="0">
+                <a:solidFill>
+                  <a:schemeClr val="tx1"/>
+                </a:solidFill>
+                <a:latin typeface="Consolas" panose="020B0609020204030204" pitchFamily="49" charset="0"/>
+              </a:rPr>
+              <a:t> parking3(1</a:t>
+            </a:r>
+            <a:r>
+              <a:rPr lang="it-IT" sz="1400" dirty="0">
+                <a:solidFill>
+                  <a:schemeClr val="tx1"/>
+                </a:solidFill>
+                <a:latin typeface="Consolas" panose="020B0609020204030204" pitchFamily="49" charset="0"/>
+              </a:rPr>
+              <a:t>, 3, e).</a:t>
+            </a:r>
+          </a:p>
+          <a:p>
+            <a:pPr>
+              <a:lnSpc>
+                <a:spcPct val="150000"/>
+              </a:lnSpc>
+            </a:pPr>
+            <a:r>
+              <a:rPr lang="it-IT" sz="1400" dirty="0" smtClean="0">
+                <a:solidFill>
+                  <a:schemeClr val="tx1"/>
+                </a:solidFill>
+                <a:latin typeface="Consolas" panose="020B0609020204030204" pitchFamily="49" charset="0"/>
+              </a:rPr>
+              <a:t> parking4(4</a:t>
+            </a:r>
+            <a:r>
+              <a:rPr lang="it-IT" sz="1400" dirty="0">
+                <a:solidFill>
+                  <a:schemeClr val="tx1"/>
+                </a:solidFill>
+                <a:latin typeface="Consolas" panose="020B0609020204030204" pitchFamily="49" charset="0"/>
+              </a:rPr>
+              <a:t>, 1, w).</a:t>
+            </a:r>
+          </a:p>
+          <a:p>
+            <a:pPr>
+              <a:lnSpc>
+                <a:spcPct val="150000"/>
+              </a:lnSpc>
+            </a:pPr>
+            <a:r>
+              <a:rPr lang="it-IT" sz="1400" dirty="0" smtClean="0">
+                <a:solidFill>
+                  <a:schemeClr val="tx1"/>
+                </a:solidFill>
+                <a:latin typeface="Consolas" panose="020B0609020204030204" pitchFamily="49" charset="0"/>
+              </a:rPr>
+              <a:t> parking5(4</a:t>
+            </a:r>
+            <a:r>
+              <a:rPr lang="it-IT" sz="1400" dirty="0">
+                <a:solidFill>
+                  <a:schemeClr val="tx1"/>
+                </a:solidFill>
+                <a:latin typeface="Consolas" panose="020B0609020204030204" pitchFamily="49" charset="0"/>
+              </a:rPr>
+              <a:t>, 2, w).</a:t>
+            </a:r>
+          </a:p>
+          <a:p>
+            <a:pPr>
+              <a:lnSpc>
+                <a:spcPct val="150000"/>
+              </a:lnSpc>
+            </a:pPr>
+            <a:r>
+              <a:rPr lang="it-IT" sz="1400" dirty="0" smtClean="0">
+                <a:solidFill>
+                  <a:schemeClr val="tx1"/>
+                </a:solidFill>
+                <a:latin typeface="Consolas" panose="020B0609020204030204" pitchFamily="49" charset="0"/>
+              </a:rPr>
+              <a:t> parking6(4</a:t>
+            </a:r>
+            <a:r>
+              <a:rPr lang="it-IT" sz="1400" dirty="0">
+                <a:solidFill>
+                  <a:schemeClr val="tx1"/>
+                </a:solidFill>
+                <a:latin typeface="Consolas" panose="020B0609020204030204" pitchFamily="49" charset="0"/>
+              </a:rPr>
+              <a:t>, 3, w).</a:t>
+            </a:r>
+          </a:p>
+        </p:txBody>
+      </p:sp>
+      <p:sp>
+        <p:nvSpPr>
+          <p:cNvPr id="7" name="Rettangolo 6"/>
+          <p:cNvSpPr/>
+          <p:nvPr/>
+        </p:nvSpPr>
+        <p:spPr>
+          <a:xfrm>
+            <a:off x="9780492" y="3201416"/>
+            <a:ext cx="1537600" cy="413575"/>
+          </a:xfrm>
+          <a:prstGeom prst="rect">
+            <a:avLst/>
+          </a:prstGeom>
+        </p:spPr>
+        <p:txBody>
+          <a:bodyPr wrap="none">
+            <a:spAutoFit/>
+          </a:bodyPr>
+          <a:lstStyle/>
+          <a:p>
+            <a:pPr>
+              <a:lnSpc>
+                <a:spcPct val="150000"/>
+              </a:lnSpc>
+            </a:pPr>
+            <a:r>
+              <a:rPr lang="it-IT" sz="1600" dirty="0" smtClean="0">
+                <a:latin typeface="Century Schoolbook" panose="02040604050505020304" pitchFamily="18" charset="0"/>
+              </a:rPr>
+              <a:t>locationsKb.pl</a:t>
+            </a:r>
+            <a:endParaRPr lang="it-IT" sz="1600" dirty="0">
+              <a:latin typeface="Century Schoolbook" panose="02040604050505020304" pitchFamily="18" charset="0"/>
+            </a:endParaRPr>
+          </a:p>
+        </p:txBody>
+      </p:sp>
+      <p:sp>
+        <p:nvSpPr>
+          <p:cNvPr id="14" name="Ovale 13"/>
+          <p:cNvSpPr/>
+          <p:nvPr/>
+        </p:nvSpPr>
+        <p:spPr>
+          <a:xfrm>
+            <a:off x="4258924" y="2130758"/>
+            <a:ext cx="1302611" cy="982897"/>
+          </a:xfrm>
+          <a:prstGeom prst="ellipse">
+            <a:avLst/>
+          </a:prstGeom>
+          <a:solidFill>
+            <a:schemeClr val="accent1">
+              <a:lumMod val="20000"/>
+              <a:lumOff val="80000"/>
+            </a:schemeClr>
+          </a:solidFill>
+          <a:ln w="12700">
+            <a:solidFill>
+              <a:schemeClr val="tx1"/>
+            </a:solidFill>
+          </a:ln>
+        </p:spPr>
+        <p:style>
+          <a:lnRef idx="2">
+            <a:schemeClr val="accent1">
+              <a:shade val="50000"/>
+            </a:schemeClr>
+          </a:lnRef>
+          <a:fillRef idx="1">
+            <a:schemeClr val="accent1"/>
+          </a:fillRef>
+          <a:effectRef idx="0">
+            <a:schemeClr val="accent1"/>
+          </a:effectRef>
+          <a:fontRef idx="minor">
+            <a:schemeClr val="lt1"/>
+          </a:fontRef>
+        </p:style>
+        <p:txBody>
+          <a:bodyPr rtlCol="0" anchor="ctr"/>
+          <a:lstStyle/>
+          <a:p>
+            <a:pPr algn="ctr"/>
+            <a:r>
+              <a:rPr lang="it-IT" sz="1400" dirty="0">
+                <a:solidFill>
+                  <a:schemeClr val="tx1"/>
+                </a:solidFill>
+                <a:latin typeface="Century Schoolbook" panose="02040604050505020304" pitchFamily="18" charset="0"/>
+              </a:rPr>
+              <a:t>Planner Util</a:t>
+            </a:r>
+          </a:p>
+        </p:txBody>
+      </p:sp>
+      <p:sp>
+        <p:nvSpPr>
+          <p:cNvPr id="16" name="Rettangolo arrotondato 15"/>
+          <p:cNvSpPr/>
+          <p:nvPr/>
+        </p:nvSpPr>
+        <p:spPr>
+          <a:xfrm>
+            <a:off x="4103992" y="3699265"/>
+            <a:ext cx="1616791" cy="471580"/>
+          </a:xfrm>
+          <a:prstGeom prst="roundRect">
+            <a:avLst/>
+          </a:prstGeom>
+          <a:solidFill>
+            <a:schemeClr val="accent4">
+              <a:lumMod val="20000"/>
+              <a:lumOff val="80000"/>
+            </a:schemeClr>
+          </a:solidFill>
+          <a:ln>
+            <a:solidFill>
+              <a:schemeClr val="tx1"/>
+            </a:solidFill>
+          </a:ln>
+        </p:spPr>
+        <p:style>
+          <a:lnRef idx="2">
+            <a:schemeClr val="accent1">
+              <a:shade val="50000"/>
+            </a:schemeClr>
+          </a:lnRef>
+          <a:fillRef idx="1">
+            <a:schemeClr val="accent1"/>
+          </a:fillRef>
+          <a:effectRef idx="0">
+            <a:schemeClr val="accent1"/>
+          </a:effectRef>
+          <a:fontRef idx="minor">
+            <a:schemeClr val="lt1"/>
+          </a:fontRef>
+        </p:style>
+        <p:txBody>
+          <a:bodyPr rtlCol="0" anchor="ctr"/>
+          <a:lstStyle/>
+          <a:p>
             <a:pPr algn="ctr"/>
             <a:r>
               <a:rPr lang="it-IT" sz="1400" dirty="0">
@@ -3719,7 +4037,7 @@
         </p:nvCxnSpPr>
         <p:spPr>
           <a:xfrm flipH="1" flipV="1">
-            <a:off x="4608059" y="2787662"/>
+            <a:off x="4910231" y="3113858"/>
             <a:ext cx="2157" cy="585407"/>
           </a:xfrm>
           <a:prstGeom prst="straightConnector1">
@@ -3756,7 +4074,7 @@
         </p:nvGrpSpPr>
         <p:grpSpPr>
           <a:xfrm>
-            <a:off x="3518063" y="4389669"/>
+            <a:off x="3820235" y="4715865"/>
             <a:ext cx="1926426" cy="1214172"/>
             <a:chOff x="402476" y="5184618"/>
             <a:chExt cx="1926426" cy="1214172"/>
@@ -3947,7 +4265,7 @@
         </p:nvGrpSpPr>
         <p:grpSpPr>
           <a:xfrm>
-            <a:off x="6493058" y="4343998"/>
+            <a:off x="6795230" y="4670194"/>
             <a:ext cx="1926426" cy="1214172"/>
             <a:chOff x="402476" y="5184618"/>
             <a:chExt cx="1926426" cy="1214172"/>
@@ -4138,7 +4456,7 @@
         </p:nvGrpSpPr>
         <p:grpSpPr>
           <a:xfrm>
-            <a:off x="5516904" y="4604012"/>
+            <a:off x="5819076" y="4930208"/>
             <a:ext cx="844768" cy="342073"/>
             <a:chOff x="8144484" y="4563130"/>
             <a:chExt cx="844768" cy="342073"/>
@@ -4324,7 +4642,7 @@
         </p:nvCxnSpPr>
         <p:spPr>
           <a:xfrm>
-            <a:off x="5516904" y="5293947"/>
+            <a:off x="5819076" y="5620143"/>
             <a:ext cx="945711" cy="0"/>
           </a:xfrm>
           <a:prstGeom prst="straightConnector1">
@@ -4362,7 +4680,7 @@
         </p:nvSpPr>
         <p:spPr>
           <a:xfrm>
-            <a:off x="5515650" y="4245427"/>
+            <a:off x="5817822" y="4571623"/>
             <a:ext cx="979755" cy="276999"/>
           </a:xfrm>
           <a:prstGeom prst="rect">
@@ -4420,7 +4738,7 @@
         </p:nvSpPr>
         <p:spPr>
           <a:xfrm>
-            <a:off x="5627448" y="5373009"/>
+            <a:off x="5929620" y="5699205"/>
             <a:ext cx="764953" cy="461665"/>
           </a:xfrm>
           <a:prstGeom prst="rect">
@@ -4472,7 +4790,7 @@
         </p:nvCxnSpPr>
         <p:spPr>
           <a:xfrm flipH="1" flipV="1">
-            <a:off x="4610216" y="3844649"/>
+            <a:off x="4912388" y="4170845"/>
             <a:ext cx="3801" cy="619139"/>
           </a:xfrm>
           <a:prstGeom prst="straightConnector1">
@@ -4509,7 +4827,7 @@
         </p:nvGrpSpPr>
         <p:grpSpPr>
           <a:xfrm>
-            <a:off x="235541" y="4389669"/>
+            <a:off x="537713" y="4715865"/>
             <a:ext cx="1926426" cy="1214172"/>
             <a:chOff x="402476" y="5184618"/>
             <a:chExt cx="1926426" cy="1214172"/>
@@ -4700,7 +5018,7 @@
         </p:nvSpPr>
         <p:spPr>
           <a:xfrm>
-            <a:off x="2277678" y="4547616"/>
+            <a:off x="2579850" y="4873812"/>
             <a:ext cx="1208985" cy="276999"/>
           </a:xfrm>
           <a:prstGeom prst="rect">
@@ -4761,7 +5079,7 @@
         </p:nvSpPr>
         <p:spPr>
           <a:xfrm>
-            <a:off x="2188054" y="5248131"/>
+            <a:off x="2490226" y="5574327"/>
             <a:ext cx="1396536" cy="276999"/>
           </a:xfrm>
           <a:prstGeom prst="rect">
@@ -4813,7 +5131,7 @@
         </p:nvCxnSpPr>
         <p:spPr>
           <a:xfrm>
-            <a:off x="2389462" y="4918016"/>
+            <a:off x="2691634" y="5244212"/>
             <a:ext cx="939801" cy="0"/>
           </a:xfrm>
           <a:prstGeom prst="straightConnector1">
@@ -4859,7 +5177,7 @@
         </p:nvCxnSpPr>
         <p:spPr>
           <a:xfrm flipH="1">
-            <a:off x="2389462" y="5153088"/>
+            <a:off x="2691634" y="5479284"/>
             <a:ext cx="939802" cy="0"/>
           </a:xfrm>
           <a:prstGeom prst="straightConnector1">
@@ -4889,68 +5207,53 @@
           </a:fontRef>
         </p:style>
       </p:cxnSp>
-    </p:spTree>
-    <p:extLst>
-      <p:ext uri="{BB962C8B-B14F-4D97-AF65-F5344CB8AC3E}">
-        <p14:creationId xmlns:p14="http://schemas.microsoft.com/office/powerpoint/2010/main" val="649128665"/>
-      </p:ext>
-    </p:extLst>
-  </p:cSld>
-  <p:clrMapOvr>
-    <a:masterClrMapping/>
-  </p:clrMapOvr>
-  <p:timing>
-    <p:tnLst>
-      <p:par>
-        <p:cTn id="1" dur="indefinite" restart="never" nodeType="tmRoot"/>
-      </p:par>
-    </p:tnLst>
-  </p:timing>
-</p:sld>
-</file>
-
-<file path=ppt/slides/slide3.xml><?xml version="1.0" encoding="utf-8"?>
-<p:sld xmlns:a="http://schemas.openxmlformats.org/drawingml/2006/main" xmlns:r="http://schemas.openxmlformats.org/officeDocument/2006/relationships" xmlns:p="http://schemas.openxmlformats.org/presentationml/2006/main">
-  <p:cSld>
-    <p:spTree>
-      <p:nvGrpSpPr>
-        <p:cNvPr id="1" name=""/>
-        <p:cNvGrpSpPr/>
-        <p:nvPr/>
-      </p:nvGrpSpPr>
-      <p:grpSpPr>
-        <a:xfrm>
-          <a:off x="0" y="0"/>
-          <a:ext cx="0" cy="0"/>
-          <a:chOff x="0" y="0"/>
-          <a:chExt cx="0" cy="0"/>
-        </a:xfrm>
-      </p:grpSpPr>
-      <p:sp>
-        <p:nvSpPr>
-          <p:cNvPr id="4" name="Rettangolo arrotondato 3"/>
+      <p:pic>
+        <p:nvPicPr>
+          <p:cNvPr id="2" name="Immagine 1"/>
+          <p:cNvPicPr>
+            <a:picLocks noChangeAspect="1"/>
+          </p:cNvPicPr>
+          <p:nvPr/>
+        </p:nvPicPr>
+        <p:blipFill>
+          <a:blip r:embed="rId2">
+            <a:extLst>
+              <a:ext uri="{28A0092B-C50C-407E-A947-70E740481C1C}">
+                <a14:useLocalDpi xmlns:a14="http://schemas.microsoft.com/office/drawing/2010/main" val="0"/>
+              </a:ext>
+            </a:extLst>
+          </a:blip>
+          <a:stretch>
+            <a:fillRect/>
+          </a:stretch>
+        </p:blipFill>
+        <p:spPr>
+          <a:xfrm>
+            <a:off x="7130432" y="940396"/>
+            <a:ext cx="4903417" cy="2261020"/>
+          </a:xfrm>
+          <a:prstGeom prst="rect">
+            <a:avLst/>
+          </a:prstGeom>
+        </p:spPr>
+      </p:pic>
+      <p:sp>
+        <p:nvSpPr>
+          <p:cNvPr id="3" name="Freccia in giù 2"/>
           <p:cNvSpPr/>
           <p:nvPr/>
         </p:nvSpPr>
         <p:spPr>
           <a:xfrm>
-            <a:off x="158151" y="155274"/>
-            <a:ext cx="11875698" cy="646983"/>
-          </a:xfrm>
-          <a:prstGeom prst="roundRect">
+            <a:off x="8348842" y="1214761"/>
+            <a:ext cx="392816" cy="406175"/>
+          </a:xfrm>
+          <a:prstGeom prst="downArrow">
             <a:avLst/>
           </a:prstGeom>
           <a:solidFill>
-            <a:schemeClr val="accent4">
-              <a:lumMod val="40000"/>
-              <a:lumOff val="60000"/>
-            </a:schemeClr>
+            <a:srgbClr val="C00000"/>
           </a:solidFill>
-          <a:ln>
-            <a:solidFill>
-              <a:schemeClr val="tx1"/>
-            </a:solidFill>
-          </a:ln>
         </p:spPr>
         <p:style>
           <a:lnRef idx="2">
@@ -4974,115 +5277,525 @@
           <a:p>
             <a:pPr algn="ctr"/>
             <a:r>
-              <a:rPr lang="it-IT" sz="3200" b="1" dirty="0" smtClean="0">
+              <a:rPr lang="it-IT" sz="1400" dirty="0" smtClean="0">
+                <a:latin typeface="Century Schoolbook" panose="02040604050505020304" pitchFamily="18" charset="0"/>
+              </a:rPr>
+              <a:t>H</a:t>
+            </a:r>
+            <a:endParaRPr lang="it-IT" sz="1400" dirty="0">
+              <a:latin typeface="Century Schoolbook" panose="02040604050505020304" pitchFamily="18" charset="0"/>
+            </a:endParaRPr>
+          </a:p>
+        </p:txBody>
+      </p:sp>
+      <p:sp>
+        <p:nvSpPr>
+          <p:cNvPr id="53" name="Freccia in giù 52"/>
+          <p:cNvSpPr/>
+          <p:nvPr/>
+        </p:nvSpPr>
+        <p:spPr>
+          <a:xfrm>
+            <a:off x="11121684" y="2523084"/>
+            <a:ext cx="392816" cy="406175"/>
+          </a:xfrm>
+          <a:prstGeom prst="downArrow">
+            <a:avLst/>
+          </a:prstGeom>
+          <a:solidFill>
+            <a:srgbClr val="C00000"/>
+          </a:solidFill>
+        </p:spPr>
+        <p:style>
+          <a:lnRef idx="2">
+            <a:schemeClr val="accent1">
+              <a:shade val="50000"/>
+            </a:schemeClr>
+          </a:lnRef>
+          <a:fillRef idx="1">
+            <a:schemeClr val="accent1"/>
+          </a:fillRef>
+          <a:effectRef idx="0">
+            <a:schemeClr val="accent1"/>
+          </a:effectRef>
+          <a:fontRef idx="minor">
+            <a:schemeClr val="lt1"/>
+          </a:fontRef>
+        </p:style>
+        <p:txBody>
+          <a:bodyPr rtlCol="0" anchor="ctr"/>
+          <a:lstStyle/>
+          <a:p>
+            <a:pPr algn="ctr"/>
+            <a:r>
+              <a:rPr lang="it-IT" sz="1400" dirty="0" smtClean="0">
+                <a:latin typeface="Century Schoolbook" panose="02040604050505020304" pitchFamily="18" charset="0"/>
+              </a:rPr>
+              <a:t>O</a:t>
+            </a:r>
+            <a:endParaRPr lang="it-IT" sz="1400" dirty="0">
+              <a:latin typeface="Century Schoolbook" panose="02040604050505020304" pitchFamily="18" charset="0"/>
+            </a:endParaRPr>
+          </a:p>
+        </p:txBody>
+      </p:sp>
+      <p:sp>
+        <p:nvSpPr>
+          <p:cNvPr id="54" name="Freccia in giù 53"/>
+          <p:cNvSpPr/>
+          <p:nvPr/>
+        </p:nvSpPr>
+        <p:spPr>
+          <a:xfrm flipV="1">
+            <a:off x="10352884" y="1218553"/>
+            <a:ext cx="392816" cy="406175"/>
+          </a:xfrm>
+          <a:prstGeom prst="downArrow">
+            <a:avLst/>
+          </a:prstGeom>
+          <a:solidFill>
+            <a:srgbClr val="C00000"/>
+          </a:solidFill>
+        </p:spPr>
+        <p:style>
+          <a:lnRef idx="2">
+            <a:schemeClr val="accent1">
+              <a:shade val="50000"/>
+            </a:schemeClr>
+          </a:lnRef>
+          <a:fillRef idx="1">
+            <a:schemeClr val="accent1"/>
+          </a:fillRef>
+          <a:effectRef idx="0">
+            <a:schemeClr val="accent1"/>
+          </a:effectRef>
+          <a:fontRef idx="minor">
+            <a:schemeClr val="lt1"/>
+          </a:fontRef>
+        </p:style>
+        <p:txBody>
+          <a:bodyPr rtlCol="0" anchor="ctr"/>
+          <a:lstStyle/>
+          <a:p>
+            <a:pPr algn="ctr"/>
+            <a:r>
+              <a:rPr lang="it-IT" sz="1400" dirty="0" smtClean="0">
+                <a:latin typeface="Century Schoolbook" panose="02040604050505020304" pitchFamily="18" charset="0"/>
+              </a:rPr>
+              <a:t>I</a:t>
+            </a:r>
+            <a:endParaRPr lang="it-IT" sz="1400" dirty="0">
+              <a:latin typeface="Century Schoolbook" panose="02040604050505020304" pitchFamily="18" charset="0"/>
+            </a:endParaRPr>
+          </a:p>
+        </p:txBody>
+      </p:sp>
+      <p:sp>
+        <p:nvSpPr>
+          <p:cNvPr id="5" name="Freccia a destra 4"/>
+          <p:cNvSpPr/>
+          <p:nvPr/>
+        </p:nvSpPr>
+        <p:spPr>
+          <a:xfrm>
+            <a:off x="8547429" y="1576140"/>
+            <a:ext cx="388458" cy="335777"/>
+          </a:xfrm>
+          <a:prstGeom prst="rightArrow">
+            <a:avLst/>
+          </a:prstGeom>
+          <a:solidFill>
+            <a:srgbClr val="C00000"/>
+          </a:solidFill>
+        </p:spPr>
+        <p:style>
+          <a:lnRef idx="2">
+            <a:schemeClr val="accent1">
+              <a:shade val="50000"/>
+            </a:schemeClr>
+          </a:lnRef>
+          <a:fillRef idx="1">
+            <a:schemeClr val="accent1"/>
+          </a:fillRef>
+          <a:effectRef idx="0">
+            <a:schemeClr val="accent1"/>
+          </a:effectRef>
+          <a:fontRef idx="minor">
+            <a:schemeClr val="lt1"/>
+          </a:fontRef>
+        </p:style>
+        <p:txBody>
+          <a:bodyPr rtlCol="0" anchor="ctr"/>
+          <a:lstStyle/>
+          <a:p>
+            <a:pPr algn="ctr"/>
+            <a:r>
+              <a:rPr lang="it-IT" sz="1400" dirty="0">
+                <a:latin typeface="Century Schoolbook" panose="02040604050505020304" pitchFamily="18" charset="0"/>
+              </a:rPr>
+              <a:t>1</a:t>
+            </a:r>
+            <a:endParaRPr lang="it-IT" sz="1400" dirty="0">
+              <a:latin typeface="Century Schoolbook" panose="02040604050505020304" pitchFamily="18" charset="0"/>
+            </a:endParaRPr>
+          </a:p>
+        </p:txBody>
+      </p:sp>
+      <p:sp>
+        <p:nvSpPr>
+          <p:cNvPr id="57" name="Freccia a destra 56"/>
+          <p:cNvSpPr/>
+          <p:nvPr/>
+        </p:nvSpPr>
+        <p:spPr>
+          <a:xfrm>
+            <a:off x="8430357" y="1818462"/>
+            <a:ext cx="388458" cy="335777"/>
+          </a:xfrm>
+          <a:prstGeom prst="rightArrow">
+            <a:avLst/>
+          </a:prstGeom>
+          <a:solidFill>
+            <a:srgbClr val="C00000"/>
+          </a:solidFill>
+        </p:spPr>
+        <p:style>
+          <a:lnRef idx="2">
+            <a:schemeClr val="accent1">
+              <a:shade val="50000"/>
+            </a:schemeClr>
+          </a:lnRef>
+          <a:fillRef idx="1">
+            <a:schemeClr val="accent1"/>
+          </a:fillRef>
+          <a:effectRef idx="0">
+            <a:schemeClr val="accent1"/>
+          </a:effectRef>
+          <a:fontRef idx="minor">
+            <a:schemeClr val="lt1"/>
+          </a:fontRef>
+        </p:style>
+        <p:txBody>
+          <a:bodyPr rtlCol="0" anchor="ctr"/>
+          <a:lstStyle/>
+          <a:p>
+            <a:pPr algn="ctr"/>
+            <a:r>
+              <a:rPr lang="it-IT" sz="1400" dirty="0" smtClean="0">
+                <a:latin typeface="Century Schoolbook" panose="02040604050505020304" pitchFamily="18" charset="0"/>
+              </a:rPr>
+              <a:t>2</a:t>
+            </a:r>
+            <a:endParaRPr lang="it-IT" sz="1400" dirty="0">
+              <a:latin typeface="Century Schoolbook" panose="02040604050505020304" pitchFamily="18" charset="0"/>
+            </a:endParaRPr>
+          </a:p>
+        </p:txBody>
+      </p:sp>
+      <p:sp>
+        <p:nvSpPr>
+          <p:cNvPr id="58" name="Freccia a destra 57"/>
+          <p:cNvSpPr/>
+          <p:nvPr/>
+        </p:nvSpPr>
+        <p:spPr>
+          <a:xfrm>
+            <a:off x="8334119" y="2123451"/>
+            <a:ext cx="388458" cy="335777"/>
+          </a:xfrm>
+          <a:prstGeom prst="rightArrow">
+            <a:avLst/>
+          </a:prstGeom>
+          <a:solidFill>
+            <a:srgbClr val="C00000"/>
+          </a:solidFill>
+        </p:spPr>
+        <p:style>
+          <a:lnRef idx="2">
+            <a:schemeClr val="accent1">
+              <a:shade val="50000"/>
+            </a:schemeClr>
+          </a:lnRef>
+          <a:fillRef idx="1">
+            <a:schemeClr val="accent1"/>
+          </a:fillRef>
+          <a:effectRef idx="0">
+            <a:schemeClr val="accent1"/>
+          </a:effectRef>
+          <a:fontRef idx="minor">
+            <a:schemeClr val="lt1"/>
+          </a:fontRef>
+        </p:style>
+        <p:txBody>
+          <a:bodyPr rtlCol="0" anchor="ctr"/>
+          <a:lstStyle/>
+          <a:p>
+            <a:pPr algn="ctr"/>
+            <a:r>
+              <a:rPr lang="it-IT" sz="1400" dirty="0" smtClean="0">
+                <a:latin typeface="Century Schoolbook" panose="02040604050505020304" pitchFamily="18" charset="0"/>
+              </a:rPr>
+              <a:t>3</a:t>
+            </a:r>
+            <a:endParaRPr lang="it-IT" sz="1400" dirty="0">
+              <a:latin typeface="Century Schoolbook" panose="02040604050505020304" pitchFamily="18" charset="0"/>
+            </a:endParaRPr>
+          </a:p>
+        </p:txBody>
+      </p:sp>
+      <p:sp>
+        <p:nvSpPr>
+          <p:cNvPr id="61" name="Freccia a destra 60"/>
+          <p:cNvSpPr/>
+          <p:nvPr/>
+        </p:nvSpPr>
+        <p:spPr>
+          <a:xfrm flipH="1">
+            <a:off x="9805066" y="1562561"/>
+            <a:ext cx="388458" cy="335777"/>
+          </a:xfrm>
+          <a:prstGeom prst="rightArrow">
+            <a:avLst/>
+          </a:prstGeom>
+          <a:solidFill>
+            <a:srgbClr val="C00000"/>
+          </a:solidFill>
+        </p:spPr>
+        <p:style>
+          <a:lnRef idx="2">
+            <a:schemeClr val="accent1">
+              <a:shade val="50000"/>
+            </a:schemeClr>
+          </a:lnRef>
+          <a:fillRef idx="1">
+            <a:schemeClr val="accent1"/>
+          </a:fillRef>
+          <a:effectRef idx="0">
+            <a:schemeClr val="accent1"/>
+          </a:effectRef>
+          <a:fontRef idx="minor">
+            <a:schemeClr val="lt1"/>
+          </a:fontRef>
+        </p:style>
+        <p:txBody>
+          <a:bodyPr rtlCol="0" anchor="ctr"/>
+          <a:lstStyle/>
+          <a:p>
+            <a:pPr algn="ctr"/>
+            <a:endParaRPr lang="it-IT" sz="1400" dirty="0"/>
+          </a:p>
+        </p:txBody>
+      </p:sp>
+      <p:sp>
+        <p:nvSpPr>
+          <p:cNvPr id="63" name="Freccia a destra 62"/>
+          <p:cNvSpPr/>
+          <p:nvPr/>
+        </p:nvSpPr>
+        <p:spPr>
+          <a:xfrm flipH="1">
+            <a:off x="9883398" y="1845619"/>
+            <a:ext cx="388458" cy="335777"/>
+          </a:xfrm>
+          <a:prstGeom prst="rightArrow">
+            <a:avLst/>
+          </a:prstGeom>
+          <a:solidFill>
+            <a:srgbClr val="C00000"/>
+          </a:solidFill>
+        </p:spPr>
+        <p:style>
+          <a:lnRef idx="2">
+            <a:schemeClr val="accent1">
+              <a:shade val="50000"/>
+            </a:schemeClr>
+          </a:lnRef>
+          <a:fillRef idx="1">
+            <a:schemeClr val="accent1"/>
+          </a:fillRef>
+          <a:effectRef idx="0">
+            <a:schemeClr val="accent1"/>
+          </a:effectRef>
+          <a:fontRef idx="minor">
+            <a:schemeClr val="lt1"/>
+          </a:fontRef>
+        </p:style>
+        <p:txBody>
+          <a:bodyPr rtlCol="0" anchor="ctr"/>
+          <a:lstStyle/>
+          <a:p>
+            <a:pPr algn="ctr"/>
+            <a:endParaRPr lang="it-IT" sz="1400" dirty="0"/>
+          </a:p>
+        </p:txBody>
+      </p:sp>
+      <p:sp>
+        <p:nvSpPr>
+          <p:cNvPr id="64" name="Freccia a destra 63"/>
+          <p:cNvSpPr/>
+          <p:nvPr/>
+        </p:nvSpPr>
+        <p:spPr>
+          <a:xfrm flipH="1">
+            <a:off x="9828047" y="2130758"/>
+            <a:ext cx="388458" cy="335777"/>
+          </a:xfrm>
+          <a:prstGeom prst="rightArrow">
+            <a:avLst/>
+          </a:prstGeom>
+          <a:solidFill>
+            <a:srgbClr val="C00000"/>
+          </a:solidFill>
+        </p:spPr>
+        <p:style>
+          <a:lnRef idx="2">
+            <a:schemeClr val="accent1">
+              <a:shade val="50000"/>
+            </a:schemeClr>
+          </a:lnRef>
+          <a:fillRef idx="1">
+            <a:schemeClr val="accent1"/>
+          </a:fillRef>
+          <a:effectRef idx="0">
+            <a:schemeClr val="accent1"/>
+          </a:effectRef>
+          <a:fontRef idx="minor">
+            <a:schemeClr val="lt1"/>
+          </a:fontRef>
+        </p:style>
+        <p:txBody>
+          <a:bodyPr rtlCol="0" anchor="ctr"/>
+          <a:lstStyle/>
+          <a:p>
+            <a:pPr algn="ctr"/>
+            <a:endParaRPr lang="it-IT" sz="1400" dirty="0"/>
+          </a:p>
+        </p:txBody>
+      </p:sp>
+      <p:sp>
+        <p:nvSpPr>
+          <p:cNvPr id="10" name="Rettangolo 9"/>
+          <p:cNvSpPr/>
+          <p:nvPr/>
+        </p:nvSpPr>
+        <p:spPr>
+          <a:xfrm>
+            <a:off x="9909472" y="1576140"/>
+            <a:ext cx="284052" cy="307777"/>
+          </a:xfrm>
+          <a:prstGeom prst="rect">
+            <a:avLst/>
+          </a:prstGeom>
+        </p:spPr>
+        <p:txBody>
+          <a:bodyPr wrap="none">
+            <a:spAutoFit/>
+          </a:bodyPr>
+          <a:lstStyle/>
+          <a:p>
+            <a:pPr algn="ctr"/>
+            <a:r>
+              <a:rPr lang="it-IT" sz="1400" dirty="0" smtClean="0">
                 <a:solidFill>
-                  <a:schemeClr val="tx1"/>
+                  <a:schemeClr val="bg1"/>
                 </a:solidFill>
                 <a:latin typeface="Century Schoolbook" panose="02040604050505020304" pitchFamily="18" charset="0"/>
               </a:rPr>
-              <a:t>The Web GUIs</a:t>
-            </a:r>
-            <a:endParaRPr lang="it-IT" sz="3200" b="1" dirty="0">
+              <a:t>4</a:t>
+            </a:r>
+            <a:endParaRPr lang="it-IT" sz="1400" dirty="0">
               <a:solidFill>
-                <a:schemeClr val="tx1"/>
+                <a:schemeClr val="bg1"/>
               </a:solidFill>
               <a:latin typeface="Century Schoolbook" panose="02040604050505020304" pitchFamily="18" charset="0"/>
             </a:endParaRPr>
           </a:p>
         </p:txBody>
       </p:sp>
-      <p:pic>
-        <p:nvPicPr>
-          <p:cNvPr id="6" name="Immagine 5"/>
-          <p:cNvPicPr>
-            <a:picLocks noChangeAspect="1"/>
-          </p:cNvPicPr>
+      <p:sp>
+        <p:nvSpPr>
+          <p:cNvPr id="65" name="Rettangolo 64"/>
+          <p:cNvSpPr/>
           <p:nvPr/>
-        </p:nvPicPr>
-        <p:blipFill rotWithShape="1">
-          <a:blip r:embed="rId2" cstate="print">
-            <a:extLst>
-              <a:ext uri="{28A0092B-C50C-407E-A947-70E740481C1C}">
-                <a14:useLocalDpi xmlns:a14="http://schemas.microsoft.com/office/drawing/2010/main" val="0"/>
-              </a:ext>
-            </a:extLst>
-          </a:blip>
-          <a:srcRect r="48895"/>
-          <a:stretch/>
-        </p:blipFill>
-        <p:spPr>
-          <a:xfrm>
-            <a:off x="8612812" y="914400"/>
-            <a:ext cx="3421037" cy="3347049"/>
+        </p:nvSpPr>
+        <p:spPr>
+          <a:xfrm>
+            <a:off x="9989152" y="1859198"/>
+            <a:ext cx="284052" cy="307777"/>
           </a:xfrm>
           <a:prstGeom prst="rect">
             <a:avLst/>
           </a:prstGeom>
         </p:spPr>
-      </p:pic>
-      <p:pic>
-        <p:nvPicPr>
-          <p:cNvPr id="7" name="Immagine 6"/>
-          <p:cNvPicPr>
-            <a:picLocks noChangeAspect="1"/>
-          </p:cNvPicPr>
+        <p:txBody>
+          <a:bodyPr wrap="none">
+            <a:spAutoFit/>
+          </a:bodyPr>
+          <a:lstStyle/>
+          <a:p>
+            <a:pPr algn="ctr"/>
+            <a:r>
+              <a:rPr lang="it-IT" sz="1400" dirty="0" smtClean="0">
+                <a:solidFill>
+                  <a:schemeClr val="bg1"/>
+                </a:solidFill>
+                <a:latin typeface="Century Schoolbook" panose="02040604050505020304" pitchFamily="18" charset="0"/>
+              </a:rPr>
+              <a:t>5</a:t>
+            </a:r>
+            <a:endParaRPr lang="it-IT" sz="1400" dirty="0">
+              <a:solidFill>
+                <a:schemeClr val="bg1"/>
+              </a:solidFill>
+              <a:latin typeface="Century Schoolbook" panose="02040604050505020304" pitchFamily="18" charset="0"/>
+            </a:endParaRPr>
+          </a:p>
+        </p:txBody>
+      </p:sp>
+      <p:sp>
+        <p:nvSpPr>
+          <p:cNvPr id="11" name="Rettangolo 10"/>
+          <p:cNvSpPr/>
           <p:nvPr/>
-        </p:nvPicPr>
-        <p:blipFill>
-          <a:blip r:embed="rId3">
-            <a:extLst>
-              <a:ext uri="{28A0092B-C50C-407E-A947-70E740481C1C}">
-                <a14:useLocalDpi xmlns:a14="http://schemas.microsoft.com/office/drawing/2010/main" val="0"/>
-              </a:ext>
-            </a:extLst>
-          </a:blip>
-          <a:stretch>
-            <a:fillRect/>
-          </a:stretch>
-        </p:blipFill>
-        <p:spPr>
-          <a:xfrm>
-            <a:off x="98540" y="1487502"/>
-            <a:ext cx="8514272" cy="4939177"/>
+        </p:nvSpPr>
+        <p:spPr>
+          <a:xfrm>
+            <a:off x="9929637" y="2148336"/>
+            <a:ext cx="284052" cy="307777"/>
           </a:xfrm>
           <a:prstGeom prst="rect">
             <a:avLst/>
           </a:prstGeom>
         </p:spPr>
-      </p:pic>
-      <p:pic>
-        <p:nvPicPr>
-          <p:cNvPr id="8" name="Immagine 7"/>
-          <p:cNvPicPr>
-            <a:picLocks noChangeAspect="1"/>
-          </p:cNvPicPr>
-          <p:nvPr/>
-        </p:nvPicPr>
-        <p:blipFill rotWithShape="1">
-          <a:blip r:embed="rId2" cstate="print">
-            <a:extLst>
-              <a:ext uri="{28A0092B-C50C-407E-A947-70E740481C1C}">
-                <a14:useLocalDpi xmlns:a14="http://schemas.microsoft.com/office/drawing/2010/main" val="0"/>
-              </a:ext>
-            </a:extLst>
-          </a:blip>
-          <a:srcRect l="51227" t="7335" b="10590"/>
-          <a:stretch/>
-        </p:blipFill>
-        <p:spPr>
-          <a:xfrm>
-            <a:off x="8846963" y="4321836"/>
-            <a:ext cx="2952733" cy="2484408"/>
-          </a:xfrm>
-          <a:prstGeom prst="rect">
-            <a:avLst/>
-          </a:prstGeom>
-        </p:spPr>
-      </p:pic>
+        <p:txBody>
+          <a:bodyPr wrap="none">
+            <a:spAutoFit/>
+          </a:bodyPr>
+          <a:lstStyle/>
+          <a:p>
+            <a:pPr algn="ctr"/>
+            <a:r>
+              <a:rPr lang="it-IT" sz="1400" dirty="0" smtClean="0">
+                <a:solidFill>
+                  <a:schemeClr val="bg1"/>
+                </a:solidFill>
+                <a:latin typeface="Century Schoolbook" panose="02040604050505020304" pitchFamily="18" charset="0"/>
+              </a:rPr>
+              <a:t>6</a:t>
+            </a:r>
+            <a:endParaRPr lang="it-IT" sz="1400" dirty="0">
+              <a:solidFill>
+                <a:schemeClr val="bg1"/>
+              </a:solidFill>
+              <a:latin typeface="Century Schoolbook" panose="02040604050505020304" pitchFamily="18" charset="0"/>
+            </a:endParaRPr>
+          </a:p>
+        </p:txBody>
+      </p:sp>
     </p:spTree>
     <p:extLst>
       <p:ext uri="{BB962C8B-B14F-4D97-AF65-F5344CB8AC3E}">
-        <p14:creationId xmlns:p14="http://schemas.microsoft.com/office/powerpoint/2010/main" val="1297214402"/>
+        <p14:creationId xmlns:p14="http://schemas.microsoft.com/office/powerpoint/2010/main" val="649128665"/>
       </p:ext>
     </p:extLst>
   </p:cSld>
@@ -5131,7 +5844,7 @@
             <a:avLst/>
           </a:prstGeom>
           <a:solidFill>
-            <a:schemeClr val="accent2">
+            <a:schemeClr val="accent4">
               <a:lumMod val="40000"/>
               <a:lumOff val="60000"/>
             </a:schemeClr>
@@ -5170,7 +5883,197 @@
                 </a:solidFill>
                 <a:latin typeface="Century Schoolbook" panose="02040604050505020304" pitchFamily="18" charset="0"/>
               </a:rPr>
-              <a:t>The Logical Architecture</a:t>
+              <a:t>The Web GUIs</a:t>
+            </a:r>
+            <a:endParaRPr lang="it-IT" sz="3200" b="1" dirty="0">
+              <a:solidFill>
+                <a:schemeClr val="tx1"/>
+              </a:solidFill>
+              <a:latin typeface="Century Schoolbook" panose="02040604050505020304" pitchFamily="18" charset="0"/>
+            </a:endParaRPr>
+          </a:p>
+        </p:txBody>
+      </p:sp>
+      <p:pic>
+        <p:nvPicPr>
+          <p:cNvPr id="6" name="Immagine 5"/>
+          <p:cNvPicPr>
+            <a:picLocks noChangeAspect="1"/>
+          </p:cNvPicPr>
+          <p:nvPr/>
+        </p:nvPicPr>
+        <p:blipFill rotWithShape="1">
+          <a:blip r:embed="rId2" cstate="print">
+            <a:extLst>
+              <a:ext uri="{28A0092B-C50C-407E-A947-70E740481C1C}">
+                <a14:useLocalDpi xmlns:a14="http://schemas.microsoft.com/office/drawing/2010/main" val="0"/>
+              </a:ext>
+            </a:extLst>
+          </a:blip>
+          <a:srcRect r="48895"/>
+          <a:stretch/>
+        </p:blipFill>
+        <p:spPr>
+          <a:xfrm>
+            <a:off x="8612812" y="914400"/>
+            <a:ext cx="3421037" cy="3347049"/>
+          </a:xfrm>
+          <a:prstGeom prst="rect">
+            <a:avLst/>
+          </a:prstGeom>
+        </p:spPr>
+      </p:pic>
+      <p:pic>
+        <p:nvPicPr>
+          <p:cNvPr id="7" name="Immagine 6"/>
+          <p:cNvPicPr>
+            <a:picLocks noChangeAspect="1"/>
+          </p:cNvPicPr>
+          <p:nvPr/>
+        </p:nvPicPr>
+        <p:blipFill>
+          <a:blip r:embed="rId3">
+            <a:extLst>
+              <a:ext uri="{28A0092B-C50C-407E-A947-70E740481C1C}">
+                <a14:useLocalDpi xmlns:a14="http://schemas.microsoft.com/office/drawing/2010/main" val="0"/>
+              </a:ext>
+            </a:extLst>
+          </a:blip>
+          <a:stretch>
+            <a:fillRect/>
+          </a:stretch>
+        </p:blipFill>
+        <p:spPr>
+          <a:xfrm>
+            <a:off x="98540" y="1487502"/>
+            <a:ext cx="8514272" cy="4939177"/>
+          </a:xfrm>
+          <a:prstGeom prst="rect">
+            <a:avLst/>
+          </a:prstGeom>
+        </p:spPr>
+      </p:pic>
+      <p:pic>
+        <p:nvPicPr>
+          <p:cNvPr id="8" name="Immagine 7"/>
+          <p:cNvPicPr>
+            <a:picLocks noChangeAspect="1"/>
+          </p:cNvPicPr>
+          <p:nvPr/>
+        </p:nvPicPr>
+        <p:blipFill rotWithShape="1">
+          <a:blip r:embed="rId2" cstate="print">
+            <a:extLst>
+              <a:ext uri="{28A0092B-C50C-407E-A947-70E740481C1C}">
+                <a14:useLocalDpi xmlns:a14="http://schemas.microsoft.com/office/drawing/2010/main" val="0"/>
+              </a:ext>
+            </a:extLst>
+          </a:blip>
+          <a:srcRect l="51227" t="7335" b="10590"/>
+          <a:stretch/>
+        </p:blipFill>
+        <p:spPr>
+          <a:xfrm>
+            <a:off x="8846963" y="4321836"/>
+            <a:ext cx="2952733" cy="2484408"/>
+          </a:xfrm>
+          <a:prstGeom prst="rect">
+            <a:avLst/>
+          </a:prstGeom>
+        </p:spPr>
+      </p:pic>
+    </p:spTree>
+    <p:extLst>
+      <p:ext uri="{BB962C8B-B14F-4D97-AF65-F5344CB8AC3E}">
+        <p14:creationId xmlns:p14="http://schemas.microsoft.com/office/powerpoint/2010/main" val="1297214402"/>
+      </p:ext>
+    </p:extLst>
+  </p:cSld>
+  <p:clrMapOvr>
+    <a:masterClrMapping/>
+  </p:clrMapOvr>
+  <p:timing>
+    <p:tnLst>
+      <p:par>
+        <p:cTn id="1" dur="indefinite" restart="never" nodeType="tmRoot"/>
+      </p:par>
+    </p:tnLst>
+  </p:timing>
+</p:sld>
+</file>
+
+<file path=ppt/slides/slide5.xml><?xml version="1.0" encoding="utf-8"?>
+<p:sld xmlns:a="http://schemas.openxmlformats.org/drawingml/2006/main" xmlns:r="http://schemas.openxmlformats.org/officeDocument/2006/relationships" xmlns:p="http://schemas.openxmlformats.org/presentationml/2006/main">
+  <p:cSld>
+    <p:spTree>
+      <p:nvGrpSpPr>
+        <p:cNvPr id="1" name=""/>
+        <p:cNvGrpSpPr/>
+        <p:nvPr/>
+      </p:nvGrpSpPr>
+      <p:grpSpPr>
+        <a:xfrm>
+          <a:off x="0" y="0"/>
+          <a:ext cx="0" cy="0"/>
+          <a:chOff x="0" y="0"/>
+          <a:chExt cx="0" cy="0"/>
+        </a:xfrm>
+      </p:grpSpPr>
+      <p:sp>
+        <p:nvSpPr>
+          <p:cNvPr id="4" name="Rettangolo arrotondato 3"/>
+          <p:cNvSpPr/>
+          <p:nvPr/>
+        </p:nvSpPr>
+        <p:spPr>
+          <a:xfrm>
+            <a:off x="158151" y="155274"/>
+            <a:ext cx="11875698" cy="646983"/>
+          </a:xfrm>
+          <a:prstGeom prst="roundRect">
+            <a:avLst/>
+          </a:prstGeom>
+          <a:solidFill>
+            <a:schemeClr val="accent2">
+              <a:lumMod val="40000"/>
+              <a:lumOff val="60000"/>
+            </a:schemeClr>
+          </a:solidFill>
+          <a:ln>
+            <a:solidFill>
+              <a:schemeClr val="tx1"/>
+            </a:solidFill>
+          </a:ln>
+        </p:spPr>
+        <p:style>
+          <a:lnRef idx="2">
+            <a:schemeClr val="accent1">
+              <a:shade val="50000"/>
+            </a:schemeClr>
+          </a:lnRef>
+          <a:fillRef idx="1">
+            <a:schemeClr val="accent1"/>
+          </a:fillRef>
+          <a:effectRef idx="0">
+            <a:schemeClr val="accent1"/>
+          </a:effectRef>
+          <a:fontRef idx="minor">
+            <a:schemeClr val="lt1"/>
+          </a:fontRef>
+        </p:style>
+        <p:txBody>
+          <a:bodyPr rtlCol="0" anchor="ctr"/>
+          <a:lstStyle/>
+          <a:p>
+            <a:pPr algn="ctr"/>
+            <a:r>
+              <a:rPr lang="it-IT" sz="3200" b="1" dirty="0" smtClean="0">
+                <a:solidFill>
+                  <a:schemeClr val="tx1"/>
+                </a:solidFill>
+                <a:latin typeface="Century Schoolbook" panose="02040604050505020304" pitchFamily="18" charset="0"/>
+              </a:rPr>
+              <a:t>The Architecture of the System</a:t>
             </a:r>
             <a:endParaRPr lang="it-IT" sz="3200" b="1" dirty="0">
               <a:solidFill>
@@ -5231,7 +6134,7 @@
 </p:sld>
 </file>
 
-<file path=ppt/slides/slide5.xml><?xml version="1.0" encoding="utf-8"?>
+<file path=ppt/slides/slide6.xml><?xml version="1.0" encoding="utf-8"?>
 <p:sld xmlns:a="http://schemas.openxmlformats.org/drawingml/2006/main" xmlns:r="http://schemas.openxmlformats.org/officeDocument/2006/relationships" xmlns:p="http://schemas.openxmlformats.org/presentationml/2006/main">
   <p:cSld>
     <p:spTree>
